--- a/Chapter-3/Memory Management.pptx
+++ b/Chapter-3/Memory Management.pptx
@@ -115,6 +115,11 @@
       </a:defRPr>
     </a:lvl9pPr>
   </p:defaultTextStyle>
+  <p:extLst>
+    <p:ext uri="{EFAFB233-063F-42B5-8137-9DF3F51BA10A}">
+      <p15:sldGuideLst xmlns:p15="http://schemas.microsoft.com/office/powerpoint/2012/main"/>
+    </p:ext>
+  </p:extLst>
 </p:presentation>
 </file>
 
@@ -3133,8 +3138,13 @@
             </a:pPr>
             <a:r>
               <a:rPr lang="en-IN" dirty="0" smtClean="0"/>
-              <a:t>z = y</a:t>
-            </a:r>
+              <a:t>z = </a:t>
+            </a:r>
+            <a:r>
+              <a:rPr lang="en-IN" dirty="0" smtClean="0"/>
+              <a:t>300</a:t>
+            </a:r>
+            <a:endParaRPr lang="en-IN" dirty="0" smtClean="0"/>
           </a:p>
           <a:p>
             <a:pPr marL="0" indent="0">
@@ -4195,11 +4205,6 @@
               </a:rPr>
               <a:t>y</a:t>
             </a:r>
-            <a:endParaRPr lang="en-IN" dirty="0">
-              <a:solidFill>
-                <a:schemeClr val="tx1"/>
-              </a:solidFill>
-            </a:endParaRPr>
           </a:p>
         </p:txBody>
       </p:sp>
@@ -6317,11 +6322,6 @@
               </a:rPr>
               <a:t>y</a:t>
             </a:r>
-            <a:endParaRPr lang="en-IN" dirty="0">
-              <a:solidFill>
-                <a:schemeClr val="tx1"/>
-              </a:solidFill>
-            </a:endParaRPr>
           </a:p>
         </p:txBody>
       </p:sp>
@@ -6760,11 +6760,6 @@
               </a:rPr>
               <a:t>y</a:t>
             </a:r>
-            <a:endParaRPr lang="en-IN" dirty="0">
-              <a:solidFill>
-                <a:schemeClr val="tx1"/>
-              </a:solidFill>
-            </a:endParaRPr>
           </a:p>
         </p:txBody>
       </p:sp>
@@ -7041,8 +7036,13 @@
             </a:pPr>
             <a:r>
               <a:rPr lang="en-IN" dirty="0" smtClean="0"/>
-              <a:t>z = y</a:t>
-            </a:r>
+              <a:t>z = </a:t>
+            </a:r>
+            <a:r>
+              <a:rPr lang="en-IN" dirty="0" smtClean="0"/>
+              <a:t>300</a:t>
+            </a:r>
+            <a:endParaRPr lang="en-IN" dirty="0" smtClean="0"/>
           </a:p>
           <a:p>
             <a:pPr marL="0" indent="0">
@@ -7212,11 +7212,6 @@
               </a:rPr>
               <a:t>y</a:t>
             </a:r>
-            <a:endParaRPr lang="en-IN" dirty="0">
-              <a:solidFill>
-                <a:schemeClr val="tx1"/>
-              </a:solidFill>
-            </a:endParaRPr>
           </a:p>
         </p:txBody>
       </p:sp>
@@ -7592,8 +7587,13 @@
             </a:pPr>
             <a:r>
               <a:rPr lang="en-IN" dirty="0" smtClean="0"/>
-              <a:t>z = y</a:t>
-            </a:r>
+              <a:t>z = </a:t>
+            </a:r>
+            <a:r>
+              <a:rPr lang="en-IN" dirty="0" smtClean="0"/>
+              <a:t>300</a:t>
+            </a:r>
+            <a:endParaRPr lang="en-IN" dirty="0" smtClean="0"/>
           </a:p>
           <a:p>
             <a:pPr marL="0" indent="0">
@@ -7767,11 +7767,6 @@
               </a:rPr>
               <a:t>y</a:t>
             </a:r>
-            <a:endParaRPr lang="en-IN" dirty="0">
-              <a:solidFill>
-                <a:schemeClr val="tx1"/>
-              </a:solidFill>
-            </a:endParaRPr>
           </a:p>
         </p:txBody>
       </p:sp>
